--- a/report/fig/disorder1.pptx
+++ b/report/fig/disorder1.pptx
@@ -104,6 +104,11 @@
       </a:defRPr>
     </a:lvl9pPr>
   </p:defaultTextStyle>
+  <p:extLst>
+    <p:ext uri="{EFAFB233-063F-42B5-8137-9DF3F51BA10A}">
+      <p15:sldGuideLst xmlns:p15="http://schemas.microsoft.com/office/powerpoint/2012/main"/>
+    </p:ext>
+  </p:extLst>
 </p:presentation>
 </file>
 
@@ -238,7 +243,7 @@
           <a:p>
             <a:fld id="{7CDC91C5-D834-407D-93CB-98C1FA300637}" type="datetimeFigureOut">
               <a:rPr lang="fr-FR" smtClean="0"/>
-              <a:t>05/12/2015</a:t>
+              <a:t>16/12/2015</a:t>
             </a:fld>
             <a:endParaRPr lang="fr-FR"/>
           </a:p>
@@ -408,7 +413,7 @@
           <a:p>
             <a:fld id="{7CDC91C5-D834-407D-93CB-98C1FA300637}" type="datetimeFigureOut">
               <a:rPr lang="fr-FR" smtClean="0"/>
-              <a:t>05/12/2015</a:t>
+              <a:t>16/12/2015</a:t>
             </a:fld>
             <a:endParaRPr lang="fr-FR"/>
           </a:p>
@@ -588,7 +593,7 @@
           <a:p>
             <a:fld id="{7CDC91C5-D834-407D-93CB-98C1FA300637}" type="datetimeFigureOut">
               <a:rPr lang="fr-FR" smtClean="0"/>
-              <a:t>05/12/2015</a:t>
+              <a:t>16/12/2015</a:t>
             </a:fld>
             <a:endParaRPr lang="fr-FR"/>
           </a:p>
@@ -758,7 +763,7 @@
           <a:p>
             <a:fld id="{7CDC91C5-D834-407D-93CB-98C1FA300637}" type="datetimeFigureOut">
               <a:rPr lang="fr-FR" smtClean="0"/>
-              <a:t>05/12/2015</a:t>
+              <a:t>16/12/2015</a:t>
             </a:fld>
             <a:endParaRPr lang="fr-FR"/>
           </a:p>
@@ -1004,7 +1009,7 @@
           <a:p>
             <a:fld id="{7CDC91C5-D834-407D-93CB-98C1FA300637}" type="datetimeFigureOut">
               <a:rPr lang="fr-FR" smtClean="0"/>
-              <a:t>05/12/2015</a:t>
+              <a:t>16/12/2015</a:t>
             </a:fld>
             <a:endParaRPr lang="fr-FR"/>
           </a:p>
@@ -1236,7 +1241,7 @@
           <a:p>
             <a:fld id="{7CDC91C5-D834-407D-93CB-98C1FA300637}" type="datetimeFigureOut">
               <a:rPr lang="fr-FR" smtClean="0"/>
-              <a:t>05/12/2015</a:t>
+              <a:t>16/12/2015</a:t>
             </a:fld>
             <a:endParaRPr lang="fr-FR"/>
           </a:p>
@@ -1603,7 +1608,7 @@
           <a:p>
             <a:fld id="{7CDC91C5-D834-407D-93CB-98C1FA300637}" type="datetimeFigureOut">
               <a:rPr lang="fr-FR" smtClean="0"/>
-              <a:t>05/12/2015</a:t>
+              <a:t>16/12/2015</a:t>
             </a:fld>
             <a:endParaRPr lang="fr-FR"/>
           </a:p>
@@ -1721,7 +1726,7 @@
           <a:p>
             <a:fld id="{7CDC91C5-D834-407D-93CB-98C1FA300637}" type="datetimeFigureOut">
               <a:rPr lang="fr-FR" smtClean="0"/>
-              <a:t>05/12/2015</a:t>
+              <a:t>16/12/2015</a:t>
             </a:fld>
             <a:endParaRPr lang="fr-FR"/>
           </a:p>
@@ -1816,7 +1821,7 @@
           <a:p>
             <a:fld id="{7CDC91C5-D834-407D-93CB-98C1FA300637}" type="datetimeFigureOut">
               <a:rPr lang="fr-FR" smtClean="0"/>
-              <a:t>05/12/2015</a:t>
+              <a:t>16/12/2015</a:t>
             </a:fld>
             <a:endParaRPr lang="fr-FR"/>
           </a:p>
@@ -2093,7 +2098,7 @@
           <a:p>
             <a:fld id="{7CDC91C5-D834-407D-93CB-98C1FA300637}" type="datetimeFigureOut">
               <a:rPr lang="fr-FR" smtClean="0"/>
-              <a:t>05/12/2015</a:t>
+              <a:t>16/12/2015</a:t>
             </a:fld>
             <a:endParaRPr lang="fr-FR"/>
           </a:p>
@@ -2346,7 +2351,7 @@
           <a:p>
             <a:fld id="{7CDC91C5-D834-407D-93CB-98C1FA300637}" type="datetimeFigureOut">
               <a:rPr lang="fr-FR" smtClean="0"/>
-              <a:t>05/12/2015</a:t>
+              <a:t>16/12/2015</a:t>
             </a:fld>
             <a:endParaRPr lang="fr-FR"/>
           </a:p>
@@ -2559,7 +2564,7 @@
           <a:p>
             <a:fld id="{7CDC91C5-D834-407D-93CB-98C1FA300637}" type="datetimeFigureOut">
               <a:rPr lang="fr-FR" smtClean="0"/>
-              <a:t>05/12/2015</a:t>
+              <a:t>16/12/2015</a:t>
             </a:fld>
             <a:endParaRPr lang="fr-FR"/>
           </a:p>
@@ -2966,14 +2971,14 @@
       </p:grpSpPr>
       <p:sp>
         <p:nvSpPr>
-          <p:cNvPr id="4" name="Cube 3"/>
+          <p:cNvPr id="27" name="Cube 26"/>
           <p:cNvSpPr/>
           <p:nvPr/>
         </p:nvSpPr>
         <p:spPr>
           <a:xfrm>
-            <a:off x="1350818" y="1984664"/>
-            <a:ext cx="3917373" cy="685800"/>
+            <a:off x="1317314" y="2025810"/>
+            <a:ext cx="4831773" cy="656922"/>
           </a:xfrm>
           <a:prstGeom prst="cube">
             <a:avLst/>
@@ -3006,14 +3011,14 @@
       </p:sp>
       <p:sp>
         <p:nvSpPr>
-          <p:cNvPr id="6" name="Cube 5"/>
+          <p:cNvPr id="28" name="Cube 27"/>
           <p:cNvSpPr/>
           <p:nvPr/>
         </p:nvSpPr>
         <p:spPr>
           <a:xfrm>
             <a:off x="2171700" y="2815936"/>
-            <a:ext cx="1091046" cy="592282"/>
+            <a:ext cx="1371600" cy="592282"/>
           </a:xfrm>
           <a:prstGeom prst="cube">
             <a:avLst/>
@@ -3046,7 +3051,7 @@
       </p:sp>
       <p:sp>
         <p:nvSpPr>
-          <p:cNvPr id="9" name="Ellipse 8"/>
+          <p:cNvPr id="29" name="Ellipse 28"/>
           <p:cNvSpPr/>
           <p:nvPr/>
         </p:nvSpPr>
@@ -3094,7 +3099,7 @@
       </p:sp>
       <p:sp>
         <p:nvSpPr>
-          <p:cNvPr id="10" name="Ellipse 9"/>
+          <p:cNvPr id="36" name="Ellipse 35"/>
           <p:cNvSpPr/>
           <p:nvPr/>
         </p:nvSpPr>
@@ -3142,7 +3147,7 @@
       </p:sp>
       <p:sp>
         <p:nvSpPr>
-          <p:cNvPr id="11" name="Ellipse 10"/>
+          <p:cNvPr id="37" name="Ellipse 36"/>
           <p:cNvSpPr/>
           <p:nvPr/>
         </p:nvSpPr>
@@ -3190,7 +3195,7 @@
       </p:sp>
       <p:sp>
         <p:nvSpPr>
-          <p:cNvPr id="30" name="Cube 29"/>
+          <p:cNvPr id="38" name="Cube 37"/>
           <p:cNvSpPr/>
           <p:nvPr/>
         </p:nvSpPr>
@@ -3230,7 +3235,7 @@
       </p:sp>
       <p:sp>
         <p:nvSpPr>
-          <p:cNvPr id="31" name="ZoneTexte 30"/>
+          <p:cNvPr id="49" name="ZoneTexte 48"/>
           <p:cNvSpPr txBox="1"/>
           <p:nvPr/>
         </p:nvSpPr>
@@ -3260,7 +3265,7 @@
       </p:sp>
       <p:sp>
         <p:nvSpPr>
-          <p:cNvPr id="32" name="ZoneTexte 31"/>
+          <p:cNvPr id="54" name="ZoneTexte 53"/>
           <p:cNvSpPr txBox="1"/>
           <p:nvPr/>
         </p:nvSpPr>
@@ -3290,13 +3295,13 @@
       </p:sp>
       <p:sp>
         <p:nvSpPr>
-          <p:cNvPr id="33" name="ZoneTexte 32"/>
+          <p:cNvPr id="55" name="ZoneTexte 54"/>
           <p:cNvSpPr txBox="1"/>
           <p:nvPr/>
         </p:nvSpPr>
         <p:spPr>
           <a:xfrm>
-            <a:off x="2260022" y="1595001"/>
+            <a:off x="2272951" y="1592083"/>
             <a:ext cx="1387185" cy="461665"/>
           </a:xfrm>
           <a:prstGeom prst="rect">
@@ -3320,18 +3325,26 @@
       </p:sp>
       <p:sp>
         <p:nvSpPr>
-          <p:cNvPr id="34" name="Cube 33"/>
+          <p:cNvPr id="56" name="Ellipse 55"/>
           <p:cNvSpPr/>
           <p:nvPr/>
         </p:nvSpPr>
         <p:spPr>
           <a:xfrm>
-            <a:off x="7122967" y="1980890"/>
-            <a:ext cx="3917373" cy="685800"/>
-          </a:xfrm>
-          <a:prstGeom prst="cube">
+            <a:off x="2337952" y="3064500"/>
+            <a:ext cx="176645" cy="166255"/>
+          </a:xfrm>
+          <a:prstGeom prst="ellipse">
             <a:avLst/>
           </a:prstGeom>
+          <a:solidFill>
+            <a:schemeClr val="tx1"/>
+          </a:solidFill>
+          <a:ln>
+            <a:solidFill>
+              <a:schemeClr val="tx1"/>
+            </a:solidFill>
+          </a:ln>
         </p:spPr>
         <p:style>
           <a:lnRef idx="2">
@@ -3360,18 +3373,26 @@
       </p:sp>
       <p:sp>
         <p:nvSpPr>
-          <p:cNvPr id="35" name="Cube 34"/>
+          <p:cNvPr id="57" name="Ellipse 56"/>
           <p:cNvSpPr/>
           <p:nvPr/>
         </p:nvSpPr>
         <p:spPr>
           <a:xfrm>
-            <a:off x="7943849" y="2812162"/>
-            <a:ext cx="1091046" cy="592282"/>
-          </a:xfrm>
-          <a:prstGeom prst="cube">
+            <a:off x="2743196" y="3064499"/>
+            <a:ext cx="176645" cy="166255"/>
+          </a:xfrm>
+          <a:prstGeom prst="ellipse">
             <a:avLst/>
           </a:prstGeom>
+          <a:solidFill>
+            <a:schemeClr val="tx1"/>
+          </a:solidFill>
+          <a:ln>
+            <a:solidFill>
+              <a:schemeClr val="tx1"/>
+            </a:solidFill>
+          </a:ln>
         </p:spPr>
         <p:style>
           <a:lnRef idx="2">
@@ -3400,13 +3421,13 @@
       </p:sp>
       <p:sp>
         <p:nvSpPr>
-          <p:cNvPr id="39" name="Ellipse 38"/>
+          <p:cNvPr id="58" name="Ellipse 57"/>
           <p:cNvSpPr/>
           <p:nvPr/>
         </p:nvSpPr>
         <p:spPr>
           <a:xfrm>
-            <a:off x="8110100" y="3108303"/>
+            <a:off x="4070581" y="2323786"/>
             <a:ext cx="176645" cy="166255"/>
           </a:xfrm>
           <a:prstGeom prst="ellipse">
@@ -3448,13 +3469,13 @@
       </p:sp>
       <p:sp>
         <p:nvSpPr>
-          <p:cNvPr id="40" name="Ellipse 39"/>
+          <p:cNvPr id="59" name="Ellipse 58"/>
           <p:cNvSpPr/>
           <p:nvPr/>
         </p:nvSpPr>
         <p:spPr>
           <a:xfrm>
-            <a:off x="8572498" y="3108302"/>
+            <a:off x="4481026" y="2323786"/>
             <a:ext cx="176645" cy="166255"/>
           </a:xfrm>
           <a:prstGeom prst="ellipse">
@@ -3496,13 +3517,13 @@
       </p:sp>
       <p:sp>
         <p:nvSpPr>
-          <p:cNvPr id="41" name="Ellipse 40"/>
+          <p:cNvPr id="60" name="Ellipse 59"/>
           <p:cNvSpPr/>
           <p:nvPr/>
         </p:nvSpPr>
         <p:spPr>
           <a:xfrm>
-            <a:off x="9331034" y="2323786"/>
+            <a:off x="4883595" y="2323786"/>
             <a:ext cx="176645" cy="166255"/>
           </a:xfrm>
           <a:prstGeom prst="ellipse">
@@ -3544,13 +3565,13 @@
       </p:sp>
       <p:sp>
         <p:nvSpPr>
-          <p:cNvPr id="42" name="Ellipse 41"/>
+          <p:cNvPr id="61" name="Ellipse 60"/>
           <p:cNvSpPr/>
           <p:nvPr/>
         </p:nvSpPr>
         <p:spPr>
           <a:xfrm>
-            <a:off x="9741479" y="2323786"/>
+            <a:off x="5294040" y="2323786"/>
             <a:ext cx="176645" cy="166255"/>
           </a:xfrm>
           <a:prstGeom prst="ellipse">
@@ -3592,13 +3613,13 @@
       </p:sp>
       <p:sp>
         <p:nvSpPr>
-          <p:cNvPr id="43" name="Ellipse 42"/>
+          <p:cNvPr id="62" name="Ellipse 61"/>
           <p:cNvSpPr/>
           <p:nvPr/>
         </p:nvSpPr>
         <p:spPr>
           <a:xfrm>
-            <a:off x="10151924" y="2323786"/>
+            <a:off x="5704485" y="2323786"/>
             <a:ext cx="176645" cy="166255"/>
           </a:xfrm>
           <a:prstGeom prst="ellipse">
@@ -3640,48 +3661,26 @@
       </p:sp>
       <p:sp>
         <p:nvSpPr>
-          <p:cNvPr id="44" name="ZoneTexte 43"/>
-          <p:cNvSpPr txBox="1"/>
+          <p:cNvPr id="63" name="Ellipse 62"/>
+          <p:cNvSpPr/>
           <p:nvPr/>
         </p:nvSpPr>
         <p:spPr>
           <a:xfrm>
-            <a:off x="7793179" y="3469751"/>
-            <a:ext cx="1387185" cy="461665"/>
-          </a:xfrm>
-          <a:prstGeom prst="rect">
+            <a:off x="3660136" y="2323786"/>
+            <a:ext cx="176645" cy="166255"/>
+          </a:xfrm>
+          <a:prstGeom prst="ellipse">
             <a:avLst/>
           </a:prstGeom>
-          <a:noFill/>
-        </p:spPr>
-        <p:txBody>
-          <a:bodyPr wrap="square" rtlCol="0">
-            <a:spAutoFit/>
-          </a:bodyPr>
-          <a:lstStyle/>
-          <a:p>
-            <a:r>
-              <a:rPr lang="fr-FR" sz="2400" dirty="0" smtClean="0"/>
-              <a:t>OBJECT 1</a:t>
-            </a:r>
-            <a:endParaRPr lang="fr-FR" sz="2400" dirty="0"/>
-          </a:p>
-        </p:txBody>
-      </p:sp>
-      <p:sp>
-        <p:nvSpPr>
-          <p:cNvPr id="45" name="Cube 44"/>
-          <p:cNvSpPr/>
-          <p:nvPr/>
-        </p:nvSpPr>
-        <p:spPr>
-          <a:xfrm rot="20360652">
-            <a:off x="10094770" y="5046517"/>
-            <a:ext cx="342900" cy="872837"/>
-          </a:xfrm>
-          <a:prstGeom prst="cube">
-            <a:avLst/>
-          </a:prstGeom>
+          <a:solidFill>
+            <a:schemeClr val="tx1"/>
+          </a:solidFill>
+          <a:ln>
+            <a:solidFill>
+              <a:schemeClr val="tx1"/>
+            </a:solidFill>
+          </a:ln>
         </p:spPr>
         <p:style>
           <a:lnRef idx="2">
@@ -3710,43 +3709,13 @@
       </p:sp>
       <p:sp>
         <p:nvSpPr>
-          <p:cNvPr id="46" name="ZoneTexte 45"/>
-          <p:cNvSpPr txBox="1"/>
-          <p:nvPr/>
-        </p:nvSpPr>
-        <p:spPr>
-          <a:xfrm rot="23433">
-            <a:off x="9743036" y="5956195"/>
-            <a:ext cx="1297471" cy="461665"/>
-          </a:xfrm>
-          <a:prstGeom prst="rect">
-            <a:avLst/>
-          </a:prstGeom>
-          <a:noFill/>
-        </p:spPr>
-        <p:txBody>
-          <a:bodyPr wrap="square" rtlCol="0">
-            <a:spAutoFit/>
-          </a:bodyPr>
-          <a:lstStyle/>
-          <a:p>
-            <a:r>
-              <a:rPr lang="fr-FR" sz="2400" dirty="0" smtClean="0"/>
-              <a:t>CAMERA</a:t>
-            </a:r>
-            <a:endParaRPr lang="fr-FR" sz="2400" dirty="0"/>
-          </a:p>
-        </p:txBody>
-      </p:sp>
-      <p:sp>
-        <p:nvSpPr>
-          <p:cNvPr id="47" name="Ellipse 46"/>
+          <p:cNvPr id="64" name="Ellipse 63"/>
           <p:cNvSpPr/>
           <p:nvPr/>
         </p:nvSpPr>
         <p:spPr>
           <a:xfrm>
-            <a:off x="2337952" y="3064500"/>
+            <a:off x="3143248" y="3064498"/>
             <a:ext cx="176645" cy="166255"/>
           </a:xfrm>
           <a:prstGeom prst="ellipse">
@@ -3783,228 +3752,6 @@
           <a:p>
             <a:pPr algn="ctr"/>
             <a:endParaRPr lang="fr-FR"/>
-          </a:p>
-        </p:txBody>
-      </p:sp>
-      <p:sp>
-        <p:nvSpPr>
-          <p:cNvPr id="48" name="Ellipse 47"/>
-          <p:cNvSpPr/>
-          <p:nvPr/>
-        </p:nvSpPr>
-        <p:spPr>
-          <a:xfrm>
-            <a:off x="2743196" y="3064499"/>
-            <a:ext cx="176645" cy="166255"/>
-          </a:xfrm>
-          <a:prstGeom prst="ellipse">
-            <a:avLst/>
-          </a:prstGeom>
-          <a:solidFill>
-            <a:schemeClr val="tx1"/>
-          </a:solidFill>
-          <a:ln>
-            <a:solidFill>
-              <a:schemeClr val="tx1"/>
-            </a:solidFill>
-          </a:ln>
-        </p:spPr>
-        <p:style>
-          <a:lnRef idx="2">
-            <a:schemeClr val="accent1">
-              <a:shade val="50000"/>
-            </a:schemeClr>
-          </a:lnRef>
-          <a:fillRef idx="1">
-            <a:schemeClr val="accent1"/>
-          </a:fillRef>
-          <a:effectRef idx="0">
-            <a:schemeClr val="accent1"/>
-          </a:effectRef>
-          <a:fontRef idx="minor">
-            <a:schemeClr val="lt1"/>
-          </a:fontRef>
-        </p:style>
-        <p:txBody>
-          <a:bodyPr rtlCol="0" anchor="ctr"/>
-          <a:lstStyle/>
-          <a:p>
-            <a:pPr algn="ctr"/>
-            <a:endParaRPr lang="fr-FR"/>
-          </a:p>
-        </p:txBody>
-      </p:sp>
-      <p:sp>
-        <p:nvSpPr>
-          <p:cNvPr id="50" name="Ellipse 49"/>
-          <p:cNvSpPr/>
-          <p:nvPr/>
-        </p:nvSpPr>
-        <p:spPr>
-          <a:xfrm>
-            <a:off x="3660136" y="2323786"/>
-            <a:ext cx="176645" cy="166255"/>
-          </a:xfrm>
-          <a:prstGeom prst="ellipse">
-            <a:avLst/>
-          </a:prstGeom>
-          <a:solidFill>
-            <a:schemeClr val="tx1"/>
-          </a:solidFill>
-          <a:ln>
-            <a:solidFill>
-              <a:schemeClr val="tx1"/>
-            </a:solidFill>
-          </a:ln>
-        </p:spPr>
-        <p:style>
-          <a:lnRef idx="2">
-            <a:schemeClr val="accent1">
-              <a:shade val="50000"/>
-            </a:schemeClr>
-          </a:lnRef>
-          <a:fillRef idx="1">
-            <a:schemeClr val="accent1"/>
-          </a:fillRef>
-          <a:effectRef idx="0">
-            <a:schemeClr val="accent1"/>
-          </a:effectRef>
-          <a:fontRef idx="minor">
-            <a:schemeClr val="lt1"/>
-          </a:fontRef>
-        </p:style>
-        <p:txBody>
-          <a:bodyPr rtlCol="0" anchor="ctr"/>
-          <a:lstStyle/>
-          <a:p>
-            <a:pPr algn="ctr"/>
-            <a:endParaRPr lang="fr-FR"/>
-          </a:p>
-        </p:txBody>
-      </p:sp>
-      <p:sp>
-        <p:nvSpPr>
-          <p:cNvPr id="51" name="Ellipse 50"/>
-          <p:cNvSpPr/>
-          <p:nvPr/>
-        </p:nvSpPr>
-        <p:spPr>
-          <a:xfrm>
-            <a:off x="4070581" y="2323786"/>
-            <a:ext cx="176645" cy="166255"/>
-          </a:xfrm>
-          <a:prstGeom prst="ellipse">
-            <a:avLst/>
-          </a:prstGeom>
-          <a:solidFill>
-            <a:schemeClr val="tx1"/>
-          </a:solidFill>
-          <a:ln>
-            <a:solidFill>
-              <a:schemeClr val="tx1"/>
-            </a:solidFill>
-          </a:ln>
-        </p:spPr>
-        <p:style>
-          <a:lnRef idx="2">
-            <a:schemeClr val="accent1">
-              <a:shade val="50000"/>
-            </a:schemeClr>
-          </a:lnRef>
-          <a:fillRef idx="1">
-            <a:schemeClr val="accent1"/>
-          </a:fillRef>
-          <a:effectRef idx="0">
-            <a:schemeClr val="accent1"/>
-          </a:effectRef>
-          <a:fontRef idx="minor">
-            <a:schemeClr val="lt1"/>
-          </a:fontRef>
-        </p:style>
-        <p:txBody>
-          <a:bodyPr rtlCol="0" anchor="ctr"/>
-          <a:lstStyle/>
-          <a:p>
-            <a:pPr algn="ctr"/>
-            <a:endParaRPr lang="fr-FR"/>
-          </a:p>
-        </p:txBody>
-      </p:sp>
-      <p:sp>
-        <p:nvSpPr>
-          <p:cNvPr id="52" name="Ellipse 51"/>
-          <p:cNvSpPr/>
-          <p:nvPr/>
-        </p:nvSpPr>
-        <p:spPr>
-          <a:xfrm>
-            <a:off x="4481026" y="2323786"/>
-            <a:ext cx="176645" cy="166255"/>
-          </a:xfrm>
-          <a:prstGeom prst="ellipse">
-            <a:avLst/>
-          </a:prstGeom>
-          <a:solidFill>
-            <a:schemeClr val="tx1"/>
-          </a:solidFill>
-          <a:ln>
-            <a:solidFill>
-              <a:schemeClr val="tx1"/>
-            </a:solidFill>
-          </a:ln>
-        </p:spPr>
-        <p:style>
-          <a:lnRef idx="2">
-            <a:schemeClr val="accent1">
-              <a:shade val="50000"/>
-            </a:schemeClr>
-          </a:lnRef>
-          <a:fillRef idx="1">
-            <a:schemeClr val="accent1"/>
-          </a:fillRef>
-          <a:effectRef idx="0">
-            <a:schemeClr val="accent1"/>
-          </a:effectRef>
-          <a:fontRef idx="minor">
-            <a:schemeClr val="lt1"/>
-          </a:fontRef>
-        </p:style>
-        <p:txBody>
-          <a:bodyPr rtlCol="0" anchor="ctr"/>
-          <a:lstStyle/>
-          <a:p>
-            <a:pPr algn="ctr"/>
-            <a:endParaRPr lang="fr-FR"/>
-          </a:p>
-        </p:txBody>
-      </p:sp>
-      <p:sp>
-        <p:nvSpPr>
-          <p:cNvPr id="53" name="ZoneTexte 52"/>
-          <p:cNvSpPr txBox="1"/>
-          <p:nvPr/>
-        </p:nvSpPr>
-        <p:spPr>
-          <a:xfrm>
-            <a:off x="8151662" y="1520725"/>
-            <a:ext cx="1387185" cy="461665"/>
-          </a:xfrm>
-          <a:prstGeom prst="rect">
-            <a:avLst/>
-          </a:prstGeom>
-          <a:noFill/>
-        </p:spPr>
-        <p:txBody>
-          <a:bodyPr wrap="square" rtlCol="0">
-            <a:spAutoFit/>
-          </a:bodyPr>
-          <a:lstStyle/>
-          <a:p>
-            <a:r>
-              <a:rPr lang="fr-FR" sz="2400" dirty="0" smtClean="0"/>
-              <a:t>OBJECT 2</a:t>
-            </a:r>
-            <a:endParaRPr lang="fr-FR" sz="2400" dirty="0"/>
           </a:p>
         </p:txBody>
       </p:sp>
